--- a/medias/Far Developer Toolbox.pptx
+++ b/medias/Far Developer Toolbox.pptx
@@ -259,7 +259,7 @@
           <a:p>
             <a:fld id="{BF36E407-AA62-459F-9ACD-500099DE114F}" type="datetimeFigureOut">
               <a:rPr lang="fr-FR" smtClean="0"/>
-              <a:t>13/09/2023</a:t>
+              <a:t>16/09/2023</a:t>
             </a:fld>
             <a:endParaRPr lang="fr-FR"/>
           </a:p>
@@ -457,7 +457,7 @@
           <a:p>
             <a:fld id="{BF36E407-AA62-459F-9ACD-500099DE114F}" type="datetimeFigureOut">
               <a:rPr lang="fr-FR" smtClean="0"/>
-              <a:t>13/09/2023</a:t>
+              <a:t>16/09/2023</a:t>
             </a:fld>
             <a:endParaRPr lang="fr-FR"/>
           </a:p>
@@ -665,7 +665,7 @@
           <a:p>
             <a:fld id="{BF36E407-AA62-459F-9ACD-500099DE114F}" type="datetimeFigureOut">
               <a:rPr lang="fr-FR" smtClean="0"/>
-              <a:t>13/09/2023</a:t>
+              <a:t>16/09/2023</a:t>
             </a:fld>
             <a:endParaRPr lang="fr-FR"/>
           </a:p>
@@ -863,7 +863,7 @@
           <a:p>
             <a:fld id="{BF36E407-AA62-459F-9ACD-500099DE114F}" type="datetimeFigureOut">
               <a:rPr lang="fr-FR" smtClean="0"/>
-              <a:t>13/09/2023</a:t>
+              <a:t>16/09/2023</a:t>
             </a:fld>
             <a:endParaRPr lang="fr-FR"/>
           </a:p>
@@ -1138,7 +1138,7 @@
           <a:p>
             <a:fld id="{BF36E407-AA62-459F-9ACD-500099DE114F}" type="datetimeFigureOut">
               <a:rPr lang="fr-FR" smtClean="0"/>
-              <a:t>13/09/2023</a:t>
+              <a:t>16/09/2023</a:t>
             </a:fld>
             <a:endParaRPr lang="fr-FR"/>
           </a:p>
@@ -1403,7 +1403,7 @@
           <a:p>
             <a:fld id="{BF36E407-AA62-459F-9ACD-500099DE114F}" type="datetimeFigureOut">
               <a:rPr lang="fr-FR" smtClean="0"/>
-              <a:t>13/09/2023</a:t>
+              <a:t>16/09/2023</a:t>
             </a:fld>
             <a:endParaRPr lang="fr-FR"/>
           </a:p>
@@ -1815,7 +1815,7 @@
           <a:p>
             <a:fld id="{BF36E407-AA62-459F-9ACD-500099DE114F}" type="datetimeFigureOut">
               <a:rPr lang="fr-FR" smtClean="0"/>
-              <a:t>13/09/2023</a:t>
+              <a:t>16/09/2023</a:t>
             </a:fld>
             <a:endParaRPr lang="fr-FR"/>
           </a:p>
@@ -1956,7 +1956,7 @@
           <a:p>
             <a:fld id="{BF36E407-AA62-459F-9ACD-500099DE114F}" type="datetimeFigureOut">
               <a:rPr lang="fr-FR" smtClean="0"/>
-              <a:t>13/09/2023</a:t>
+              <a:t>16/09/2023</a:t>
             </a:fld>
             <a:endParaRPr lang="fr-FR"/>
           </a:p>
@@ -2069,7 +2069,7 @@
           <a:p>
             <a:fld id="{BF36E407-AA62-459F-9ACD-500099DE114F}" type="datetimeFigureOut">
               <a:rPr lang="fr-FR" smtClean="0"/>
-              <a:t>13/09/2023</a:t>
+              <a:t>16/09/2023</a:t>
             </a:fld>
             <a:endParaRPr lang="fr-FR"/>
           </a:p>
@@ -2380,7 +2380,7 @@
           <a:p>
             <a:fld id="{BF36E407-AA62-459F-9ACD-500099DE114F}" type="datetimeFigureOut">
               <a:rPr lang="fr-FR" smtClean="0"/>
-              <a:t>13/09/2023</a:t>
+              <a:t>16/09/2023</a:t>
             </a:fld>
             <a:endParaRPr lang="fr-FR"/>
           </a:p>
@@ -2668,7 +2668,7 @@
           <a:p>
             <a:fld id="{BF36E407-AA62-459F-9ACD-500099DE114F}" type="datetimeFigureOut">
               <a:rPr lang="fr-FR" smtClean="0"/>
-              <a:t>13/09/2023</a:t>
+              <a:t>16/09/2023</a:t>
             </a:fld>
             <a:endParaRPr lang="fr-FR"/>
           </a:p>
@@ -2909,7 +2909,7 @@
           <a:p>
             <a:fld id="{BF36E407-AA62-459F-9ACD-500099DE114F}" type="datetimeFigureOut">
               <a:rPr lang="fr-FR" smtClean="0"/>
-              <a:t>13/09/2023</a:t>
+              <a:t>16/09/2023</a:t>
             </a:fld>
             <a:endParaRPr lang="fr-FR"/>
           </a:p>
@@ -3341,7 +3341,7 @@
         <p:spPr>
           <a:xfrm>
             <a:off x="838200" y="2724150"/>
-            <a:ext cx="10344150" cy="1866900"/>
+            <a:ext cx="5044888" cy="1866900"/>
           </a:xfrm>
           <a:prstGeom prst="roundRect">
             <a:avLst/>
@@ -3398,23 +3398,6 @@
           </a:p>
           <a:p>
             <a:pPr algn="ctr"/>
-            <a:r>
-              <a:rPr lang="fr-FR" sz="3600" dirty="0">
-                <a:solidFill>
-                  <a:srgbClr val="00B050"/>
-                </a:solidFill>
-                <a:latin typeface="Press Start 2P" panose="02000503000000000000" pitchFamily="1" charset="0"/>
-              </a:rPr>
-              <a:t>-----</a:t>
-            </a:r>
-            <a:br>
-              <a:rPr lang="fr-FR" sz="3600" dirty="0">
-                <a:solidFill>
-                  <a:srgbClr val="00B050"/>
-                </a:solidFill>
-                <a:latin typeface="Press Start 2P" panose="02000503000000000000" pitchFamily="1" charset="0"/>
-              </a:rPr>
-            </a:br>
             <a:r>
               <a:rPr lang="fr-FR" sz="2400" dirty="0">
                 <a:solidFill>
